--- a/Presentation.pptx
+++ b/Presentation.pptx
@@ -112,6 +112,22 @@
       </a:defRPr>
     </a:lvl9pPr>
   </p:defaultTextStyle>
+  <p:extLst>
+    <p:ext uri="{EFAFB233-063F-42B5-8137-9DF3F51BA10A}">
+      <p15:sldGuideLst xmlns:p15="http://schemas.microsoft.com/office/powerpoint/2012/main">
+        <p15:guide id="1" orient="horz" pos="2160">
+          <p15:clr>
+            <a:srgbClr val="A4A3A4"/>
+          </p15:clr>
+        </p15:guide>
+        <p15:guide id="2" pos="2880">
+          <p15:clr>
+            <a:srgbClr val="A4A3A4"/>
+          </p15:clr>
+        </p15:guide>
+      </p15:sldGuideLst>
+    </p:ext>
+  </p:extLst>
 </p:presentation>
 </file>
 
@@ -175,9 +191,7 @@
         </p:style>
         <p:txBody>
           <a:bodyPr rtlCol="0" anchor="ctr"/>
-          <a:lstStyle>
-            <a:extLst/>
-          </a:lstStyle>
+          <a:lstStyle/>
           <a:p>
             <a:pPr algn="ctr" eaLnBrk="1" latinLnBrk="0" hangingPunct="1"/>
             <a:endParaRPr kumimoji="0" lang="en-US"/>
@@ -221,10 +235,9 @@
           </a:lstStyle>
           <a:p>
             <a:r>
-              <a:rPr kumimoji="0" lang="en-US" smtClean="0"/>
+              <a:rPr kumimoji="0" lang="en-US"/>
               <a:t>Click to edit Master title style</a:t>
             </a:r>
-            <a:endParaRPr kumimoji="0" lang="en-US"/>
           </a:p>
         </p:txBody>
       </p:sp>
@@ -339,10 +352,9 @@
           </a:lstStyle>
           <a:p>
             <a:r>
-              <a:rPr kumimoji="0" lang="en-US" smtClean="0"/>
+              <a:rPr kumimoji="0" lang="en-US"/>
               <a:t>Click to edit Master subtitle style</a:t>
             </a:r>
-            <a:endParaRPr kumimoji="0" lang="en-US"/>
           </a:p>
         </p:txBody>
       </p:sp>
@@ -364,7 +376,7 @@
             <a:fld id="{A963E727-1D3D-4A82-88D1-C6A2044A242C}" type="datetimeFigureOut">
               <a:rPr lang="ar-EG" smtClean="0"/>
               <a:pPr/>
-              <a:t>01/12/1439</a:t>
+              <a:t>30/01/1442</a:t>
             </a:fld>
             <a:endParaRPr lang="ar-EG"/>
           </a:p>
@@ -458,9 +470,7 @@
         </p:style>
         <p:txBody>
           <a:bodyPr rtlCol="0" anchor="ctr"/>
-          <a:lstStyle>
-            <a:extLst/>
-          </a:lstStyle>
+          <a:lstStyle/>
           <a:p>
             <a:pPr algn="ctr" eaLnBrk="1" latinLnBrk="0" hangingPunct="1"/>
             <a:endParaRPr kumimoji="0" lang="en-US"/>
@@ -505,15 +515,12 @@
         <p:spPr/>
         <p:txBody>
           <a:bodyPr/>
-          <a:lstStyle>
-            <a:extLst/>
-          </a:lstStyle>
-          <a:p>
-            <a:r>
-              <a:rPr kumimoji="0" lang="en-US" smtClean="0"/>
+          <a:lstStyle/>
+          <a:p>
+            <a:r>
+              <a:rPr kumimoji="0" lang="en-US"/>
               <a:t>Click to edit Master title style</a:t>
             </a:r>
-            <a:endParaRPr kumimoji="0" lang="en-US"/>
           </a:p>
         </p:txBody>
       </p:sp>
@@ -530,41 +537,39 @@
         <p:spPr/>
         <p:txBody>
           <a:bodyPr vert="eaVert"/>
-          <a:lstStyle>
-            <a:extLst/>
-          </a:lstStyle>
+          <a:lstStyle/>
           <a:p>
             <a:pPr lvl="0" eaLnBrk="1" latinLnBrk="0" hangingPunct="1"/>
             <a:r>
-              <a:rPr lang="en-US" smtClean="0"/>
+              <a:rPr lang="en-US"/>
               <a:t>Click to edit Master text styles</a:t>
             </a:r>
           </a:p>
           <a:p>
             <a:pPr lvl="1" eaLnBrk="1" latinLnBrk="0" hangingPunct="1"/>
             <a:r>
-              <a:rPr lang="en-US" smtClean="0"/>
+              <a:rPr lang="en-US"/>
               <a:t>Second level</a:t>
             </a:r>
           </a:p>
           <a:p>
             <a:pPr lvl="2" eaLnBrk="1" latinLnBrk="0" hangingPunct="1"/>
             <a:r>
-              <a:rPr lang="en-US" smtClean="0"/>
+              <a:rPr lang="en-US"/>
               <a:t>Third level</a:t>
             </a:r>
           </a:p>
           <a:p>
             <a:pPr lvl="3" eaLnBrk="1" latinLnBrk="0" hangingPunct="1"/>
             <a:r>
-              <a:rPr lang="en-US" smtClean="0"/>
+              <a:rPr lang="en-US"/>
               <a:t>Fourth level</a:t>
             </a:r>
           </a:p>
           <a:p>
             <a:pPr lvl="4" eaLnBrk="1" latinLnBrk="0" hangingPunct="1"/>
             <a:r>
-              <a:rPr lang="en-US" smtClean="0"/>
+              <a:rPr lang="en-US"/>
               <a:t>Fifth level</a:t>
             </a:r>
             <a:endParaRPr kumimoji="0" lang="en-US"/>
@@ -589,7 +594,7 @@
             <a:fld id="{A963E727-1D3D-4A82-88D1-C6A2044A242C}" type="datetimeFigureOut">
               <a:rPr lang="ar-EG" smtClean="0"/>
               <a:pPr/>
-              <a:t>01/12/1439</a:t>
+              <a:t>30/01/1442</a:t>
             </a:fld>
             <a:endParaRPr lang="ar-EG"/>
           </a:p>
@@ -708,9 +713,7 @@
         </p:style>
         <p:txBody>
           <a:bodyPr rtlCol="0" anchor="ctr"/>
-          <a:lstStyle>
-            <a:extLst/>
-          </a:lstStyle>
+          <a:lstStyle/>
           <a:p>
             <a:pPr algn="ctr" eaLnBrk="1" latinLnBrk="0" hangingPunct="1"/>
             <a:endParaRPr kumimoji="0" lang="en-US"/>
@@ -755,9 +758,7 @@
         </p:style>
         <p:txBody>
           <a:bodyPr rtlCol="0" anchor="ctr"/>
-          <a:lstStyle>
-            <a:extLst/>
-          </a:lstStyle>
+          <a:lstStyle/>
           <a:p>
             <a:pPr algn="ctr" eaLnBrk="1" latinLnBrk="0" hangingPunct="1"/>
             <a:endParaRPr kumimoji="0" lang="en-US"/>
@@ -782,15 +783,12 @@
         </p:spPr>
         <p:txBody>
           <a:bodyPr vert="eaVert"/>
-          <a:lstStyle>
-            <a:extLst/>
-          </a:lstStyle>
-          <a:p>
-            <a:r>
-              <a:rPr kumimoji="0" lang="en-US" smtClean="0"/>
+          <a:lstStyle/>
+          <a:p>
+            <a:r>
+              <a:rPr kumimoji="0" lang="en-US"/>
               <a:t>Click to edit Master title style</a:t>
             </a:r>
-            <a:endParaRPr kumimoji="0" lang="en-US"/>
           </a:p>
         </p:txBody>
       </p:sp>
@@ -812,41 +810,39 @@
         </p:spPr>
         <p:txBody>
           <a:bodyPr vert="eaVert"/>
-          <a:lstStyle>
-            <a:extLst/>
-          </a:lstStyle>
+          <a:lstStyle/>
           <a:p>
             <a:pPr lvl="0" eaLnBrk="1" latinLnBrk="0" hangingPunct="1"/>
             <a:r>
-              <a:rPr lang="en-US" smtClean="0"/>
+              <a:rPr lang="en-US"/>
               <a:t>Click to edit Master text styles</a:t>
             </a:r>
           </a:p>
           <a:p>
             <a:pPr lvl="1" eaLnBrk="1" latinLnBrk="0" hangingPunct="1"/>
             <a:r>
-              <a:rPr lang="en-US" smtClean="0"/>
+              <a:rPr lang="en-US"/>
               <a:t>Second level</a:t>
             </a:r>
           </a:p>
           <a:p>
             <a:pPr lvl="2" eaLnBrk="1" latinLnBrk="0" hangingPunct="1"/>
             <a:r>
-              <a:rPr lang="en-US" smtClean="0"/>
+              <a:rPr lang="en-US"/>
               <a:t>Third level</a:t>
             </a:r>
           </a:p>
           <a:p>
             <a:pPr lvl="3" eaLnBrk="1" latinLnBrk="0" hangingPunct="1"/>
             <a:r>
-              <a:rPr lang="en-US" smtClean="0"/>
+              <a:rPr lang="en-US"/>
               <a:t>Fourth level</a:t>
             </a:r>
           </a:p>
           <a:p>
             <a:pPr lvl="4" eaLnBrk="1" latinLnBrk="0" hangingPunct="1"/>
             <a:r>
-              <a:rPr lang="en-US" smtClean="0"/>
+              <a:rPr lang="en-US"/>
               <a:t>Fifth level</a:t>
             </a:r>
             <a:endParaRPr kumimoji="0" lang="en-US"/>
@@ -871,7 +867,7 @@
             <a:fld id="{A963E727-1D3D-4A82-88D1-C6A2044A242C}" type="datetimeFigureOut">
               <a:rPr lang="ar-EG" smtClean="0"/>
               <a:pPr/>
-              <a:t>01/12/1439</a:t>
+              <a:t>30/01/1442</a:t>
             </a:fld>
             <a:endParaRPr lang="ar-EG"/>
           </a:p>
@@ -968,15 +964,12 @@
         </p:spPr>
         <p:txBody>
           <a:bodyPr/>
-          <a:lstStyle>
-            <a:extLst/>
-          </a:lstStyle>
-          <a:p>
-            <a:r>
-              <a:rPr kumimoji="0" lang="en-US" smtClean="0"/>
+          <a:lstStyle/>
+          <a:p>
+            <a:r>
+              <a:rPr kumimoji="0" lang="en-US"/>
               <a:t>Click to edit Master title style</a:t>
             </a:r>
-            <a:endParaRPr kumimoji="0" lang="en-US"/>
           </a:p>
         </p:txBody>
       </p:sp>
@@ -993,41 +986,39 @@
         <p:spPr/>
         <p:txBody>
           <a:bodyPr/>
-          <a:lstStyle>
-            <a:extLst/>
-          </a:lstStyle>
+          <a:lstStyle/>
           <a:p>
             <a:pPr lvl="0" eaLnBrk="1" latinLnBrk="0" hangingPunct="1"/>
             <a:r>
-              <a:rPr lang="en-US" smtClean="0"/>
+              <a:rPr lang="en-US"/>
               <a:t>Click to edit Master text styles</a:t>
             </a:r>
           </a:p>
           <a:p>
             <a:pPr lvl="1" eaLnBrk="1" latinLnBrk="0" hangingPunct="1"/>
             <a:r>
-              <a:rPr lang="en-US" smtClean="0"/>
+              <a:rPr lang="en-US"/>
               <a:t>Second level</a:t>
             </a:r>
           </a:p>
           <a:p>
             <a:pPr lvl="2" eaLnBrk="1" latinLnBrk="0" hangingPunct="1"/>
             <a:r>
-              <a:rPr lang="en-US" smtClean="0"/>
+              <a:rPr lang="en-US"/>
               <a:t>Third level</a:t>
             </a:r>
           </a:p>
           <a:p>
             <a:pPr lvl="3" eaLnBrk="1" latinLnBrk="0" hangingPunct="1"/>
             <a:r>
-              <a:rPr lang="en-US" smtClean="0"/>
+              <a:rPr lang="en-US"/>
               <a:t>Fourth level</a:t>
             </a:r>
           </a:p>
           <a:p>
             <a:pPr lvl="4" eaLnBrk="1" latinLnBrk="0" hangingPunct="1"/>
             <a:r>
-              <a:rPr lang="en-US" smtClean="0"/>
+              <a:rPr lang="en-US"/>
               <a:t>Fifth level</a:t>
             </a:r>
             <a:endParaRPr kumimoji="0" lang="en-US"/>
@@ -1052,7 +1043,7 @@
             <a:fld id="{A963E727-1D3D-4A82-88D1-C6A2044A242C}" type="datetimeFigureOut">
               <a:rPr lang="ar-EG" smtClean="0"/>
               <a:pPr/>
-              <a:t>01/12/1439</a:t>
+              <a:t>30/01/1442</a:t>
             </a:fld>
             <a:endParaRPr lang="ar-EG"/>
           </a:p>
@@ -1169,9 +1160,7 @@
         </p:style>
         <p:txBody>
           <a:bodyPr rtlCol="0" anchor="ctr"/>
-          <a:lstStyle>
-            <a:extLst/>
-          </a:lstStyle>
+          <a:lstStyle/>
           <a:p>
             <a:pPr algn="ctr" eaLnBrk="1" latinLnBrk="0" hangingPunct="1"/>
             <a:endParaRPr kumimoji="0" lang="en-US"/>
@@ -1223,9 +1212,7 @@
         </p:style>
         <p:txBody>
           <a:bodyPr rtlCol="0" anchor="ctr"/>
-          <a:lstStyle>
-            <a:extLst/>
-          </a:lstStyle>
+          <a:lstStyle/>
           <a:p>
             <a:pPr algn="ctr" eaLnBrk="1" latinLnBrk="0" hangingPunct="1"/>
             <a:endParaRPr kumimoji="0" lang="en-US"/>
@@ -1269,10 +1256,9 @@
           </a:lstStyle>
           <a:p>
             <a:r>
-              <a:rPr kumimoji="0" lang="en-US" smtClean="0"/>
+              <a:rPr kumimoji="0" lang="en-US"/>
               <a:t>Click to edit Master title style</a:t>
             </a:r>
-            <a:endParaRPr kumimoji="0" lang="en-US"/>
           </a:p>
         </p:txBody>
       </p:sp>
@@ -1388,7 +1374,7 @@
           <a:p>
             <a:pPr lvl="0" eaLnBrk="1" latinLnBrk="0" hangingPunct="1"/>
             <a:r>
-              <a:rPr kumimoji="0" lang="en-US" smtClean="0"/>
+              <a:rPr kumimoji="0" lang="en-US"/>
               <a:t>Click to edit Master text styles</a:t>
             </a:r>
           </a:p>
@@ -1412,7 +1398,7 @@
             <a:fld id="{A963E727-1D3D-4A82-88D1-C6A2044A242C}" type="datetimeFigureOut">
               <a:rPr lang="ar-EG" smtClean="0"/>
               <a:pPr/>
-              <a:t>01/12/1439</a:t>
+              <a:t>30/01/1442</a:t>
             </a:fld>
             <a:endParaRPr lang="ar-EG"/>
           </a:p>
@@ -1499,15 +1485,12 @@
         <p:spPr/>
         <p:txBody>
           <a:bodyPr/>
-          <a:lstStyle>
-            <a:extLst/>
-          </a:lstStyle>
-          <a:p>
-            <a:r>
-              <a:rPr kumimoji="0" lang="en-US" smtClean="0"/>
+          <a:lstStyle/>
+          <a:p>
+            <a:r>
+              <a:rPr kumimoji="0" lang="en-US"/>
               <a:t>Click to edit Master title style</a:t>
             </a:r>
-            <a:endParaRPr kumimoji="0" lang="en-US"/>
           </a:p>
         </p:txBody>
       </p:sp>
@@ -1562,35 +1545,35 @@
           <a:p>
             <a:pPr lvl="0" eaLnBrk="1" latinLnBrk="0" hangingPunct="1"/>
             <a:r>
-              <a:rPr lang="en-US" smtClean="0"/>
+              <a:rPr lang="en-US"/>
               <a:t>Click to edit Master text styles</a:t>
             </a:r>
           </a:p>
           <a:p>
             <a:pPr lvl="1" eaLnBrk="1" latinLnBrk="0" hangingPunct="1"/>
             <a:r>
-              <a:rPr lang="en-US" smtClean="0"/>
+              <a:rPr lang="en-US"/>
               <a:t>Second level</a:t>
             </a:r>
           </a:p>
           <a:p>
             <a:pPr lvl="2" eaLnBrk="1" latinLnBrk="0" hangingPunct="1"/>
             <a:r>
-              <a:rPr lang="en-US" smtClean="0"/>
+              <a:rPr lang="en-US"/>
               <a:t>Third level</a:t>
             </a:r>
           </a:p>
           <a:p>
             <a:pPr lvl="3" eaLnBrk="1" latinLnBrk="0" hangingPunct="1"/>
             <a:r>
-              <a:rPr lang="en-US" smtClean="0"/>
+              <a:rPr lang="en-US"/>
               <a:t>Fourth level</a:t>
             </a:r>
           </a:p>
           <a:p>
             <a:pPr lvl="4" eaLnBrk="1" latinLnBrk="0" hangingPunct="1"/>
             <a:r>
-              <a:rPr lang="en-US" smtClean="0"/>
+              <a:rPr lang="en-US"/>
               <a:t>Fifth level</a:t>
             </a:r>
             <a:endParaRPr kumimoji="0" lang="en-US"/>
@@ -1648,35 +1631,35 @@
           <a:p>
             <a:pPr lvl="0" eaLnBrk="1" latinLnBrk="0" hangingPunct="1"/>
             <a:r>
-              <a:rPr lang="en-US" smtClean="0"/>
+              <a:rPr lang="en-US"/>
               <a:t>Click to edit Master text styles</a:t>
             </a:r>
           </a:p>
           <a:p>
             <a:pPr lvl="1" eaLnBrk="1" latinLnBrk="0" hangingPunct="1"/>
             <a:r>
-              <a:rPr lang="en-US" smtClean="0"/>
+              <a:rPr lang="en-US"/>
               <a:t>Second level</a:t>
             </a:r>
           </a:p>
           <a:p>
             <a:pPr lvl="2" eaLnBrk="1" latinLnBrk="0" hangingPunct="1"/>
             <a:r>
-              <a:rPr lang="en-US" smtClean="0"/>
+              <a:rPr lang="en-US"/>
               <a:t>Third level</a:t>
             </a:r>
           </a:p>
           <a:p>
             <a:pPr lvl="3" eaLnBrk="1" latinLnBrk="0" hangingPunct="1"/>
             <a:r>
-              <a:rPr lang="en-US" smtClean="0"/>
+              <a:rPr lang="en-US"/>
               <a:t>Fourth level</a:t>
             </a:r>
           </a:p>
           <a:p>
             <a:pPr lvl="4" eaLnBrk="1" latinLnBrk="0" hangingPunct="1"/>
             <a:r>
-              <a:rPr lang="en-US" smtClean="0"/>
+              <a:rPr lang="en-US"/>
               <a:t>Fifth level</a:t>
             </a:r>
             <a:endParaRPr kumimoji="0" lang="en-US"/>
@@ -1701,7 +1684,7 @@
             <a:fld id="{A963E727-1D3D-4A82-88D1-C6A2044A242C}" type="datetimeFigureOut">
               <a:rPr lang="ar-EG" smtClean="0"/>
               <a:pPr/>
-              <a:t>01/12/1439</a:t>
+              <a:t>30/01/1442</a:t>
             </a:fld>
             <a:endParaRPr lang="ar-EG"/>
           </a:p>
@@ -1796,10 +1779,9 @@
           </a:lstStyle>
           <a:p>
             <a:r>
-              <a:rPr kumimoji="0" lang="en-US" smtClean="0"/>
+              <a:rPr kumimoji="0" lang="en-US"/>
               <a:t>Click to edit Master title style</a:t>
             </a:r>
-            <a:endParaRPr kumimoji="0" lang="en-US"/>
           </a:p>
         </p:txBody>
       </p:sp>
@@ -1863,7 +1845,7 @@
           <a:p>
             <a:pPr lvl="0" eaLnBrk="1" latinLnBrk="0" hangingPunct="1"/>
             <a:r>
-              <a:rPr kumimoji="0" lang="en-US" smtClean="0"/>
+              <a:rPr kumimoji="0" lang="en-US"/>
               <a:t>Click to edit Master text styles</a:t>
             </a:r>
           </a:p>
@@ -1920,35 +1902,35 @@
           <a:p>
             <a:pPr lvl="0" eaLnBrk="1" latinLnBrk="0" hangingPunct="1"/>
             <a:r>
-              <a:rPr lang="en-US" smtClean="0"/>
+              <a:rPr lang="en-US"/>
               <a:t>Click to edit Master text styles</a:t>
             </a:r>
           </a:p>
           <a:p>
             <a:pPr lvl="1" eaLnBrk="1" latinLnBrk="0" hangingPunct="1"/>
             <a:r>
-              <a:rPr lang="en-US" smtClean="0"/>
+              <a:rPr lang="en-US"/>
               <a:t>Second level</a:t>
             </a:r>
           </a:p>
           <a:p>
             <a:pPr lvl="2" eaLnBrk="1" latinLnBrk="0" hangingPunct="1"/>
             <a:r>
-              <a:rPr lang="en-US" smtClean="0"/>
+              <a:rPr lang="en-US"/>
               <a:t>Third level</a:t>
             </a:r>
           </a:p>
           <a:p>
             <a:pPr lvl="3" eaLnBrk="1" latinLnBrk="0" hangingPunct="1"/>
             <a:r>
-              <a:rPr lang="en-US" smtClean="0"/>
+              <a:rPr lang="en-US"/>
               <a:t>Fourth level</a:t>
             </a:r>
           </a:p>
           <a:p>
             <a:pPr lvl="4" eaLnBrk="1" latinLnBrk="0" hangingPunct="1"/>
             <a:r>
-              <a:rPr lang="en-US" smtClean="0"/>
+              <a:rPr lang="en-US"/>
               <a:t>Fifth level</a:t>
             </a:r>
             <a:endParaRPr kumimoji="0" lang="en-US"/>
@@ -2015,7 +1997,7 @@
           <a:p>
             <a:pPr lvl="0" eaLnBrk="1" latinLnBrk="0" hangingPunct="1"/>
             <a:r>
-              <a:rPr kumimoji="0" lang="en-US" smtClean="0"/>
+              <a:rPr kumimoji="0" lang="en-US"/>
               <a:t>Click to edit Master text styles</a:t>
             </a:r>
           </a:p>
@@ -2072,35 +2054,35 @@
           <a:p>
             <a:pPr lvl="0" eaLnBrk="1" latinLnBrk="0" hangingPunct="1"/>
             <a:r>
-              <a:rPr lang="en-US" smtClean="0"/>
+              <a:rPr lang="en-US"/>
               <a:t>Click to edit Master text styles</a:t>
             </a:r>
           </a:p>
           <a:p>
             <a:pPr lvl="1" eaLnBrk="1" latinLnBrk="0" hangingPunct="1"/>
             <a:r>
-              <a:rPr lang="en-US" smtClean="0"/>
+              <a:rPr lang="en-US"/>
               <a:t>Second level</a:t>
             </a:r>
           </a:p>
           <a:p>
             <a:pPr lvl="2" eaLnBrk="1" latinLnBrk="0" hangingPunct="1"/>
             <a:r>
-              <a:rPr lang="en-US" smtClean="0"/>
+              <a:rPr lang="en-US"/>
               <a:t>Third level</a:t>
             </a:r>
           </a:p>
           <a:p>
             <a:pPr lvl="3" eaLnBrk="1" latinLnBrk="0" hangingPunct="1"/>
             <a:r>
-              <a:rPr lang="en-US" smtClean="0"/>
+              <a:rPr lang="en-US"/>
               <a:t>Fourth level</a:t>
             </a:r>
           </a:p>
           <a:p>
             <a:pPr lvl="4" eaLnBrk="1" latinLnBrk="0" hangingPunct="1"/>
             <a:r>
-              <a:rPr lang="en-US" smtClean="0"/>
+              <a:rPr lang="en-US"/>
               <a:t>Fifth level</a:t>
             </a:r>
             <a:endParaRPr kumimoji="0" lang="en-US"/>
@@ -2125,7 +2107,7 @@
             <a:fld id="{A963E727-1D3D-4A82-88D1-C6A2044A242C}" type="datetimeFigureOut">
               <a:rPr lang="ar-EG" smtClean="0"/>
               <a:pPr/>
-              <a:t>01/12/1439</a:t>
+              <a:t>30/01/1442</a:t>
             </a:fld>
             <a:endParaRPr lang="ar-EG"/>
           </a:p>
@@ -2212,15 +2194,12 @@
         <p:spPr/>
         <p:txBody>
           <a:bodyPr/>
-          <a:lstStyle>
-            <a:extLst/>
-          </a:lstStyle>
-          <a:p>
-            <a:r>
-              <a:rPr kumimoji="0" lang="en-US" smtClean="0"/>
+          <a:lstStyle/>
+          <a:p>
+            <a:r>
+              <a:rPr kumimoji="0" lang="en-US"/>
               <a:t>Click to edit Master title style</a:t>
             </a:r>
-            <a:endParaRPr kumimoji="0" lang="en-US"/>
           </a:p>
         </p:txBody>
       </p:sp>
@@ -2242,7 +2221,7 @@
             <a:fld id="{A963E727-1D3D-4A82-88D1-C6A2044A242C}" type="datetimeFigureOut">
               <a:rPr lang="ar-EG" smtClean="0"/>
               <a:pPr/>
-              <a:t>01/12/1439</a:t>
+              <a:t>30/01/1442</a:t>
             </a:fld>
             <a:endParaRPr lang="ar-EG"/>
           </a:p>
@@ -2334,7 +2313,7 @@
             <a:fld id="{A963E727-1D3D-4A82-88D1-C6A2044A242C}" type="datetimeFigureOut">
               <a:rPr lang="ar-EG" smtClean="0"/>
               <a:pPr/>
-              <a:t>01/12/1439</a:t>
+              <a:t>30/01/1442</a:t>
             </a:fld>
             <a:endParaRPr lang="ar-EG"/>
           </a:p>
@@ -2437,10 +2416,9 @@
           </a:lstStyle>
           <a:p>
             <a:r>
-              <a:rPr kumimoji="0" lang="en-US" smtClean="0"/>
+              <a:rPr kumimoji="0" lang="en-US"/>
               <a:t>Click to edit Master title style</a:t>
             </a:r>
-            <a:endParaRPr kumimoji="0" lang="en-US"/>
           </a:p>
         </p:txBody>
       </p:sp>
@@ -2495,35 +2473,35 @@
           <a:p>
             <a:pPr lvl="0" eaLnBrk="1" latinLnBrk="0" hangingPunct="1"/>
             <a:r>
-              <a:rPr lang="en-US" smtClean="0"/>
+              <a:rPr lang="en-US"/>
               <a:t>Click to edit Master text styles</a:t>
             </a:r>
           </a:p>
           <a:p>
             <a:pPr lvl="1" eaLnBrk="1" latinLnBrk="0" hangingPunct="1"/>
             <a:r>
-              <a:rPr lang="en-US" smtClean="0"/>
+              <a:rPr lang="en-US"/>
               <a:t>Second level</a:t>
             </a:r>
           </a:p>
           <a:p>
             <a:pPr lvl="2" eaLnBrk="1" latinLnBrk="0" hangingPunct="1"/>
             <a:r>
-              <a:rPr lang="en-US" smtClean="0"/>
+              <a:rPr lang="en-US"/>
               <a:t>Third level</a:t>
             </a:r>
           </a:p>
           <a:p>
             <a:pPr lvl="3" eaLnBrk="1" latinLnBrk="0" hangingPunct="1"/>
             <a:r>
-              <a:rPr lang="en-US" smtClean="0"/>
+              <a:rPr lang="en-US"/>
               <a:t>Fourth level</a:t>
             </a:r>
           </a:p>
           <a:p>
             <a:pPr lvl="4" eaLnBrk="1" latinLnBrk="0" hangingPunct="1"/>
             <a:r>
-              <a:rPr lang="en-US" smtClean="0"/>
+              <a:rPr lang="en-US"/>
               <a:t>Fifth level</a:t>
             </a:r>
             <a:endParaRPr kumimoji="0" lang="en-US"/>
@@ -2590,7 +2568,7 @@
           <a:p>
             <a:pPr lvl="0" eaLnBrk="1" latinLnBrk="0" hangingPunct="1"/>
             <a:r>
-              <a:rPr kumimoji="0" lang="en-US" smtClean="0"/>
+              <a:rPr kumimoji="0" lang="en-US"/>
               <a:t>Click to edit Master text styles</a:t>
             </a:r>
           </a:p>
@@ -2614,7 +2592,7 @@
             <a:fld id="{A963E727-1D3D-4A82-88D1-C6A2044A242C}" type="datetimeFigureOut">
               <a:rPr lang="ar-EG" smtClean="0"/>
               <a:pPr/>
-              <a:t>01/12/1439</a:t>
+              <a:t>30/01/1442</a:t>
             </a:fld>
             <a:endParaRPr lang="ar-EG"/>
           </a:p>
@@ -2701,9 +2679,7 @@
         </p:style>
         <p:txBody>
           <a:bodyPr rtlCol="0" anchor="ctr"/>
-          <a:lstStyle>
-            <a:extLst/>
-          </a:lstStyle>
+          <a:lstStyle/>
           <a:p>
             <a:pPr algn="ctr" eaLnBrk="1" latinLnBrk="0" hangingPunct="1"/>
             <a:endParaRPr kumimoji="0" lang="en-US"/>
@@ -2748,9 +2724,7 @@
         </p:style>
         <p:txBody>
           <a:bodyPr rtlCol="0" anchor="ctr"/>
-          <a:lstStyle>
-            <a:extLst/>
-          </a:lstStyle>
+          <a:lstStyle/>
           <a:p>
             <a:pPr algn="ctr" eaLnBrk="1" latinLnBrk="0" hangingPunct="1"/>
             <a:endParaRPr kumimoji="0" lang="en-US"/>
@@ -2815,10 +2789,9 @@
           </a:lstStyle>
           <a:p>
             <a:r>
-              <a:rPr kumimoji="0" lang="en-US" smtClean="0"/>
+              <a:rPr kumimoji="0" lang="en-US"/>
               <a:t>Click to edit Master title style</a:t>
             </a:r>
-            <a:endParaRPr kumimoji="0" lang="en-US"/>
           </a:p>
         </p:txBody>
       </p:sp>
@@ -2886,7 +2859,7 @@
           </a:lstStyle>
           <a:p>
             <a:r>
-              <a:rPr kumimoji="0" lang="en-US" smtClean="0"/>
+              <a:rPr kumimoji="0" lang="en-US"/>
               <a:t>Click icon to add picture</a:t>
             </a:r>
             <a:endParaRPr kumimoji="0" lang="en-US" dirty="0"/>
@@ -2953,7 +2926,7 @@
           <a:p>
             <a:pPr lvl="0" eaLnBrk="1" latinLnBrk="0" hangingPunct="1"/>
             <a:r>
-              <a:rPr kumimoji="0" lang="en-US" smtClean="0"/>
+              <a:rPr kumimoji="0" lang="en-US"/>
               <a:t>Click to edit Master text styles</a:t>
             </a:r>
           </a:p>
@@ -2982,7 +2955,7 @@
             <a:fld id="{A963E727-1D3D-4A82-88D1-C6A2044A242C}" type="datetimeFigureOut">
               <a:rPr lang="ar-EG" smtClean="0"/>
               <a:pPr/>
-              <a:t>01/12/1439</a:t>
+              <a:t>30/01/1442</a:t>
             </a:fld>
             <a:endParaRPr lang="ar-EG"/>
           </a:p>
@@ -3026,9 +2999,7 @@
         </p:style>
         <p:txBody>
           <a:bodyPr rtlCol="0" anchor="ctr"/>
-          <a:lstStyle>
-            <a:extLst/>
-          </a:lstStyle>
+          <a:lstStyle/>
           <a:p>
             <a:pPr algn="ctr" eaLnBrk="1" latinLnBrk="0" hangingPunct="1"/>
             <a:endParaRPr kumimoji="0" lang="en-US"/>
@@ -3073,9 +3044,7 @@
         </p:style>
         <p:txBody>
           <a:bodyPr rtlCol="0" anchor="ctr"/>
-          <a:lstStyle>
-            <a:extLst/>
-          </a:lstStyle>
+          <a:lstStyle/>
           <a:p>
             <a:pPr algn="ctr" eaLnBrk="1" latinLnBrk="0" hangingPunct="1"/>
             <a:endParaRPr kumimoji="0" lang="en-US"/>
@@ -3220,9 +3189,7 @@
         </p:style>
         <p:txBody>
           <a:bodyPr rtlCol="0" anchor="ctr"/>
-          <a:lstStyle>
-            <a:extLst/>
-          </a:lstStyle>
+          <a:lstStyle/>
           <a:p>
             <a:pPr algn="ctr" eaLnBrk="1" latinLnBrk="0" hangingPunct="1"/>
             <a:endParaRPr kumimoji="0" lang="en-US"/>
@@ -3267,9 +3234,7 @@
         </p:style>
         <p:txBody>
           <a:bodyPr rtlCol="0" anchor="ctr"/>
-          <a:lstStyle>
-            <a:extLst/>
-          </a:lstStyle>
+          <a:lstStyle/>
           <a:p>
             <a:pPr algn="ctr" eaLnBrk="1" latinLnBrk="0" hangingPunct="1"/>
             <a:endParaRPr kumimoji="0" lang="en-US"/>
@@ -3308,15 +3273,12 @@
               <a:bevelT w="50800" h="10160"/>
             </a:sp3d>
           </a:bodyPr>
-          <a:lstStyle>
-            <a:extLst/>
-          </a:lstStyle>
-          <a:p>
-            <a:r>
-              <a:rPr kumimoji="0" lang="en-US" smtClean="0"/>
+          <a:lstStyle/>
+          <a:p>
+            <a:r>
+              <a:rPr kumimoji="0" lang="en-US"/>
               <a:t>Click to edit Master title style</a:t>
             </a:r>
-            <a:endParaRPr kumimoji="0" lang="en-US"/>
           </a:p>
         </p:txBody>
       </p:sp>
@@ -3343,44 +3305,41 @@
           <a:bodyPr vert="horz" lIns="54864" tIns="91440" rtlCol="0">
             <a:normAutofit/>
           </a:bodyPr>
-          <a:lstStyle>
-            <a:extLst/>
-          </a:lstStyle>
+          <a:lstStyle/>
           <a:p>
             <a:pPr lvl="0" eaLnBrk="1" latinLnBrk="0" hangingPunct="1"/>
             <a:r>
-              <a:rPr kumimoji="0" lang="en-US" smtClean="0"/>
+              <a:rPr kumimoji="0" lang="en-US"/>
               <a:t>Click to edit Master text styles</a:t>
             </a:r>
           </a:p>
           <a:p>
             <a:pPr lvl="1" eaLnBrk="1" latinLnBrk="0" hangingPunct="1"/>
             <a:r>
-              <a:rPr kumimoji="0" lang="en-US" smtClean="0"/>
+              <a:rPr kumimoji="0" lang="en-US"/>
               <a:t>Second level</a:t>
             </a:r>
           </a:p>
           <a:p>
             <a:pPr lvl="2" eaLnBrk="1" latinLnBrk="0" hangingPunct="1"/>
             <a:r>
-              <a:rPr kumimoji="0" lang="en-US" smtClean="0"/>
+              <a:rPr kumimoji="0" lang="en-US"/>
               <a:t>Third level</a:t>
             </a:r>
           </a:p>
           <a:p>
             <a:pPr lvl="3" eaLnBrk="1" latinLnBrk="0" hangingPunct="1"/>
             <a:r>
-              <a:rPr kumimoji="0" lang="en-US" smtClean="0"/>
+              <a:rPr kumimoji="0" lang="en-US"/>
               <a:t>Fourth level</a:t>
             </a:r>
           </a:p>
           <a:p>
             <a:pPr lvl="4" eaLnBrk="1" latinLnBrk="0" hangingPunct="1"/>
             <a:r>
-              <a:rPr kumimoji="0" lang="en-US" smtClean="0"/>
+              <a:rPr kumimoji="0" lang="en-US"/>
               <a:t>Fifth level</a:t>
             </a:r>
-            <a:endParaRPr kumimoji="0" lang="en-US"/>
           </a:p>
         </p:txBody>
       </p:sp>
@@ -3421,7 +3380,7 @@
             <a:fld id="{A963E727-1D3D-4A82-88D1-C6A2044A242C}" type="datetimeFigureOut">
               <a:rPr lang="ar-EG" smtClean="0"/>
               <a:pPr/>
-              <a:t>01/12/1439</a:t>
+              <a:t>30/01/1442</a:t>
             </a:fld>
             <a:endParaRPr lang="ar-EG"/>
           </a:p>
@@ -3840,7 +3799,7 @@
         </p:nvSpPr>
         <p:spPr>
           <a:xfrm>
-            <a:off x="-500098" y="0"/>
+            <a:off x="-540568" y="-57052"/>
             <a:ext cx="9858444" cy="1673352"/>
           </a:xfrm>
         </p:spPr>
@@ -3851,24 +3810,19 @@
           <a:lstStyle/>
           <a:p>
             <a:r>
-              <a:rPr lang="en-US" sz="6600" dirty="0" smtClean="0"/>
-              <a:t>    Summer </a:t>
-            </a:r>
-            <a:r>
-              <a:rPr lang="en-US" sz="6600" dirty="0" smtClean="0"/>
-              <a:t>Course </a:t>
-            </a:r>
-            <a:r>
-              <a:rPr lang="en-US" sz="6600" dirty="0" smtClean="0"/>
-              <a:t>Training</a:t>
+              <a:rPr lang="en-US" sz="6600" dirty="0"/>
+              <a:t>    Summer Course Training</a:t>
             </a:r>
             <a:br>
-              <a:rPr lang="en-US" sz="6600" dirty="0" smtClean="0"/>
+              <a:rPr lang="en-US" sz="6600" dirty="0"/>
             </a:br>
             <a:r>
-              <a:rPr lang="en-US" sz="5400" dirty="0" smtClean="0"/>
+              <a:rPr lang="en-US" sz="5400" dirty="0"/>
               <a:t> </a:t>
             </a:r>
+            <a:br>
+              <a:rPr lang="en-US" sz="5400" dirty="0"/>
+            </a:br>
             <a:endParaRPr lang="ar-EG" sz="5400" dirty="0"/>
           </a:p>
         </p:txBody>
@@ -3896,7 +3850,7 @@
           <a:lstStyle/>
           <a:p>
             <a:r>
-              <a:rPr lang="en-US" sz="4800" b="1" dirty="0" smtClean="0"/>
+              <a:rPr lang="en-US" sz="4800" b="1" dirty="0"/>
               <a:t>C# : Scientific Calculator</a:t>
             </a:r>
             <a:endParaRPr lang="ar-EG" sz="4800" b="1" dirty="0"/>
@@ -3913,7 +3867,7 @@
         </p:nvSpPr>
         <p:spPr>
           <a:xfrm>
-            <a:off x="1066800" y="785794"/>
+            <a:off x="1062746" y="577184"/>
             <a:ext cx="8077200" cy="856674"/>
           </a:xfrm>
           <a:prstGeom prst="rect">
@@ -3946,7 +3900,7 @@
               <a:defRPr/>
             </a:pPr>
             <a:r>
-              <a:rPr kumimoji="0" lang="en-US" sz="4800" b="0" i="0" u="none" strike="noStrike" kern="1200" cap="none" spc="0" normalizeH="0" baseline="0" noProof="0" dirty="0" smtClean="0">
+              <a:rPr kumimoji="0" lang="en-US" sz="4800" b="0" i="0" u="none" strike="noStrike" kern="1200" cap="none" spc="0" normalizeH="0" baseline="0" noProof="0" dirty="0">
                 <a:ln>
                   <a:noFill/>
                 </a:ln>
@@ -3962,7 +3916,7 @@
                 <a:ea typeface="+mn-ea"/>
                 <a:cs typeface="+mn-cs"/>
               </a:rPr>
-              <a:t>   1 st year vacation course</a:t>
+              <a:t>   1 st year summer training</a:t>
             </a:r>
             <a:endParaRPr kumimoji="0" lang="ar-EG" sz="4800" b="0" i="0" u="none" strike="noStrike" kern="1200" cap="none" spc="0" normalizeH="0" baseline="0" noProof="0" dirty="0">
               <a:ln>
@@ -3993,8 +3947,8 @@
         </p:nvSpPr>
         <p:spPr>
           <a:xfrm>
-            <a:off x="285720" y="1857364"/>
-            <a:ext cx="8858280" cy="1785950"/>
+            <a:off x="274842" y="2385219"/>
+            <a:ext cx="8858280" cy="1438450"/>
           </a:xfrm>
           <a:prstGeom prst="rect">
             <a:avLst/>
@@ -4013,6 +3967,159 @@
               <a:buSzPct val="80000"/>
               <a:defRPr/>
             </a:pPr>
+            <a:endParaRPr lang="en-US" sz="4000" b="1" dirty="0">
+              <a:solidFill>
+                <a:schemeClr val="bg2">
+                  <a:lumMod val="20000"/>
+                  <a:lumOff val="80000"/>
+                </a:schemeClr>
+              </a:solidFill>
+            </a:endParaRPr>
+          </a:p>
+          <a:p>
+            <a:pPr lvl="0" algn="ctr" rtl="0">
+              <a:buClr>
+                <a:schemeClr val="accent1"/>
+              </a:buClr>
+              <a:buSzPct val="80000"/>
+              <a:defRPr/>
+            </a:pPr>
+            <a:endParaRPr lang="en-US" sz="4000" b="1" dirty="0">
+              <a:solidFill>
+                <a:schemeClr val="bg2">
+                  <a:lumMod val="20000"/>
+                  <a:lumOff val="80000"/>
+                </a:schemeClr>
+              </a:solidFill>
+            </a:endParaRPr>
+          </a:p>
+          <a:p>
+            <a:pPr lvl="0" algn="ctr" rtl="0">
+              <a:buClr>
+                <a:schemeClr val="accent1"/>
+              </a:buClr>
+              <a:buSzPct val="80000"/>
+              <a:defRPr/>
+            </a:pPr>
+            <a:endParaRPr lang="en-US" sz="4000" b="1" dirty="0">
+              <a:solidFill>
+                <a:schemeClr val="bg2">
+                  <a:lumMod val="20000"/>
+                  <a:lumOff val="80000"/>
+                </a:schemeClr>
+              </a:solidFill>
+            </a:endParaRPr>
+          </a:p>
+          <a:p>
+            <a:pPr lvl="0" algn="ctr" rtl="0">
+              <a:buClr>
+                <a:schemeClr val="accent1"/>
+              </a:buClr>
+              <a:buSzPct val="80000"/>
+              <a:defRPr/>
+            </a:pPr>
+            <a:endParaRPr lang="en-US" sz="4000" b="1" dirty="0">
+              <a:solidFill>
+                <a:schemeClr val="bg2">
+                  <a:lumMod val="20000"/>
+                  <a:lumOff val="80000"/>
+                </a:schemeClr>
+              </a:solidFill>
+            </a:endParaRPr>
+          </a:p>
+          <a:p>
+            <a:pPr lvl="0" algn="ctr" rtl="0">
+              <a:buClr>
+                <a:schemeClr val="accent1"/>
+              </a:buClr>
+              <a:buSzPct val="80000"/>
+              <a:defRPr/>
+            </a:pPr>
+            <a:endParaRPr lang="en-US" sz="4000" b="1" dirty="0">
+              <a:solidFill>
+                <a:schemeClr val="bg2">
+                  <a:lumMod val="20000"/>
+                  <a:lumOff val="80000"/>
+                </a:schemeClr>
+              </a:solidFill>
+            </a:endParaRPr>
+          </a:p>
+          <a:p>
+            <a:pPr lvl="0" algn="ctr" rtl="0">
+              <a:buClr>
+                <a:schemeClr val="accent1"/>
+              </a:buClr>
+              <a:buSzPct val="80000"/>
+              <a:defRPr/>
+            </a:pPr>
+            <a:endParaRPr lang="en-US" sz="4000" b="1" dirty="0">
+              <a:solidFill>
+                <a:schemeClr val="bg2">
+                  <a:lumMod val="20000"/>
+                  <a:lumOff val="80000"/>
+                </a:schemeClr>
+              </a:solidFill>
+            </a:endParaRPr>
+          </a:p>
+          <a:p>
+            <a:pPr lvl="0" algn="ctr" rtl="0">
+              <a:buClr>
+                <a:schemeClr val="accent1"/>
+              </a:buClr>
+              <a:buSzPct val="80000"/>
+              <a:defRPr/>
+            </a:pPr>
+            <a:endParaRPr lang="en-US" sz="4000" b="1" dirty="0">
+              <a:solidFill>
+                <a:schemeClr val="bg2">
+                  <a:lumMod val="20000"/>
+                  <a:lumOff val="80000"/>
+                </a:schemeClr>
+              </a:solidFill>
+            </a:endParaRPr>
+          </a:p>
+          <a:p>
+            <a:pPr lvl="0" algn="ctr" rtl="0">
+              <a:buClr>
+                <a:schemeClr val="accent1"/>
+              </a:buClr>
+              <a:buSzPct val="80000"/>
+              <a:defRPr/>
+            </a:pPr>
+            <a:endParaRPr lang="en-US" sz="4000" b="1" dirty="0">
+              <a:solidFill>
+                <a:schemeClr val="bg2">
+                  <a:lumMod val="20000"/>
+                  <a:lumOff val="80000"/>
+                </a:schemeClr>
+              </a:solidFill>
+            </a:endParaRPr>
+          </a:p>
+          <a:p>
+            <a:pPr lvl="0" algn="ctr" rtl="0">
+              <a:buClr>
+                <a:schemeClr val="accent1"/>
+              </a:buClr>
+              <a:buSzPct val="80000"/>
+              <a:defRPr/>
+            </a:pPr>
+            <a:endParaRPr lang="en-US" sz="4000" b="1" dirty="0">
+              <a:solidFill>
+                <a:schemeClr val="bg2">
+                  <a:lumMod val="20000"/>
+                  <a:lumOff val="80000"/>
+                </a:schemeClr>
+              </a:solidFill>
+            </a:endParaRPr>
+          </a:p>
+          <a:p>
+            <a:pPr lvl="0" algn="ctr" rtl="0">
+              <a:buClr>
+                <a:schemeClr val="accent1"/>
+              </a:buClr>
+              <a:buSzPct val="80000"/>
+              <a:defRPr/>
+            </a:pPr>
             <a:r>
               <a:rPr lang="en-US" sz="4000" b="1" dirty="0">
                 <a:solidFill>
@@ -4022,10 +4129,19 @@
                   </a:schemeClr>
                 </a:solidFill>
               </a:rPr>
-              <a:t>Faculty of computers &amp; informatics   </a:t>
-            </a:r>
-            <a:r>
-              <a:rPr lang="en-US" sz="4000" b="1" dirty="0" smtClean="0">
+              <a:t>Faculty of computers &amp; informatics</a:t>
+            </a:r>
+          </a:p>
+          <a:p>
+            <a:pPr lvl="0" algn="ctr" rtl="0">
+              <a:buClr>
+                <a:schemeClr val="accent1"/>
+              </a:buClr>
+              <a:buSzPct val="80000"/>
+              <a:defRPr/>
+            </a:pPr>
+            <a:r>
+              <a:rPr lang="en-US" sz="4000" b="1" dirty="0">
                 <a:solidFill>
                   <a:schemeClr val="bg2">
                     <a:lumMod val="20000"/>
@@ -4033,13 +4149,19 @@
                   </a:schemeClr>
                 </a:solidFill>
               </a:rPr>
-              <a:t>  Dr-Omar salem</a:t>
-            </a:r>
-          </a:p>
-          <a:p>
-            <a:pPr algn="ctr" rtl="0"/>
-            <a:r>
-              <a:rPr lang="en-US" sz="4000" b="1" dirty="0" smtClean="0">
+              <a:t>.NET Desktop Apps Intern    </a:t>
+            </a:r>
+          </a:p>
+          <a:p>
+            <a:pPr lvl="0" algn="ctr" rtl="0">
+              <a:buClr>
+                <a:schemeClr val="accent1"/>
+              </a:buClr>
+              <a:buSzPct val="80000"/>
+              <a:defRPr/>
+            </a:pPr>
+            <a:r>
+              <a:rPr lang="en-US" sz="4000" b="1" dirty="0">
                 <a:solidFill>
                   <a:schemeClr val="bg2">
                     <a:lumMod val="20000"/>
@@ -4047,7 +4169,21 @@
                   </a:schemeClr>
                 </a:solidFill>
               </a:rPr>
-              <a:t>Dr-Sameha</a:t>
+              <a:t>Dr. Omar salem</a:t>
+            </a:r>
+          </a:p>
+          <a:p>
+            <a:pPr algn="ctr" rtl="0"/>
+            <a:r>
+              <a:rPr lang="en-US" sz="4000" b="1" dirty="0">
+                <a:solidFill>
+                  <a:schemeClr val="bg2">
+                    <a:lumMod val="20000"/>
+                    <a:lumOff val="80000"/>
+                  </a:schemeClr>
+                </a:solidFill>
+              </a:rPr>
+              <a:t>Dr. Sameha</a:t>
             </a:r>
           </a:p>
         </p:txBody>
@@ -4119,7 +4255,7 @@
               <a:defRPr/>
             </a:pPr>
             <a:r>
-              <a:rPr lang="en-US" sz="3600" dirty="0" smtClean="0">
+              <a:rPr lang="en-US" sz="3600" dirty="0">
                 <a:ln w="18415" cmpd="sng">
                   <a:solidFill>
                     <a:srgbClr val="FFFFFF"/>
@@ -4142,7 +4278,85 @@
                 <a:ea typeface="+mj-ea"/>
                 <a:cs typeface="+mj-cs"/>
               </a:rPr>
-              <a:t>Team members : Amir Haytham &amp; Nayera sayed &amp; Nadin Elgammal &amp; Donia Hassan</a:t>
+              <a:t>Team members : Amir Haytham Salama &amp; Nayera sayed &amp; </a:t>
+            </a:r>
+            <a:r>
+              <a:rPr lang="en-US" sz="3600" dirty="0" err="1">
+                <a:ln w="18415" cmpd="sng">
+                  <a:solidFill>
+                    <a:srgbClr val="FFFFFF"/>
+                  </a:solidFill>
+                  <a:prstDash val="solid"/>
+                </a:ln>
+                <a:solidFill>
+                  <a:schemeClr val="tx1">
+                    <a:lumMod val="75000"/>
+                  </a:schemeClr>
+                </a:solidFill>
+                <a:effectLst>
+                  <a:outerShdw blurRad="63500" dir="3600000" algn="tl" rotWithShape="0">
+                    <a:srgbClr val="000000">
+                      <a:alpha val="70000"/>
+                    </a:srgbClr>
+                  </a:outerShdw>
+                </a:effectLst>
+                <a:latin typeface="+mj-lt"/>
+                <a:ea typeface="+mj-ea"/>
+                <a:cs typeface="+mj-cs"/>
+              </a:rPr>
+              <a:t>Nadin</a:t>
+            </a:r>
+            <a:r>
+              <a:rPr lang="en-US" sz="3600" dirty="0">
+                <a:ln w="18415" cmpd="sng">
+                  <a:solidFill>
+                    <a:srgbClr val="FFFFFF"/>
+                  </a:solidFill>
+                  <a:prstDash val="solid"/>
+                </a:ln>
+                <a:solidFill>
+                  <a:schemeClr val="tx1">
+                    <a:lumMod val="75000"/>
+                  </a:schemeClr>
+                </a:solidFill>
+                <a:effectLst>
+                  <a:outerShdw blurRad="63500" dir="3600000" algn="tl" rotWithShape="0">
+                    <a:srgbClr val="000000">
+                      <a:alpha val="70000"/>
+                    </a:srgbClr>
+                  </a:outerShdw>
+                </a:effectLst>
+                <a:latin typeface="+mj-lt"/>
+                <a:ea typeface="+mj-ea"/>
+                <a:cs typeface="+mj-cs"/>
+              </a:rPr>
+              <a:t> </a:t>
+            </a:r>
+            <a:r>
+              <a:rPr lang="en-US" sz="3600">
+                <a:ln w="18415" cmpd="sng">
+                  <a:solidFill>
+                    <a:srgbClr val="FFFFFF"/>
+                  </a:solidFill>
+                  <a:prstDash val="solid"/>
+                </a:ln>
+                <a:solidFill>
+                  <a:schemeClr val="tx1">
+                    <a:lumMod val="75000"/>
+                  </a:schemeClr>
+                </a:solidFill>
+                <a:effectLst>
+                  <a:outerShdw blurRad="63500" dir="3600000" algn="tl" rotWithShape="0">
+                    <a:srgbClr val="000000">
+                      <a:alpha val="70000"/>
+                    </a:srgbClr>
+                  </a:outerShdw>
+                </a:effectLst>
+                <a:latin typeface="+mj-lt"/>
+                <a:ea typeface="+mj-ea"/>
+                <a:cs typeface="+mj-cs"/>
+              </a:rPr>
+              <a:t>Elgammal</a:t>
             </a:r>
             <a:endParaRPr kumimoji="0" lang="ar-EG" sz="3600" i="0" u="none" strike="noStrike" kern="1200" normalizeH="0" baseline="0" noProof="0" dirty="0">
               <a:ln w="18415" cmpd="sng">
@@ -4177,13 +4391,6 @@
   <p:clrMapOvr>
     <a:masterClrMapping/>
   </p:clrMapOvr>
-  <p:timing>
-    <p:tnLst>
-      <p:par>
-        <p:cTn id="1" dur="indefinite" restart="never" nodeType="tmRoot"/>
-      </p:par>
-    </p:tnLst>
-  </p:timing>
 </p:sld>
 </file>
 
@@ -4254,7 +4461,7 @@
           <a:lstStyle/>
           <a:p>
             <a:r>
-              <a:rPr lang="en-US" dirty="0" smtClean="0"/>
+              <a:rPr lang="en-US" dirty="0"/>
               <a:t>Calculator Components</a:t>
             </a:r>
             <a:endParaRPr lang="ar-EG" dirty="0"/>
@@ -4284,12 +4491,12 @@
           <a:lstStyle/>
           <a:p>
             <a:pPr algn="l" rtl="0"/>
-            <a:endParaRPr lang="en-US" dirty="0" smtClean="0"/>
+            <a:endParaRPr lang="en-US" dirty="0"/>
           </a:p>
           <a:p>
             <a:pPr algn="l" rtl="0"/>
             <a:r>
-              <a:rPr lang="en-US" dirty="0" smtClean="0"/>
+              <a:rPr lang="en-US" dirty="0"/>
               <a:t>Basic | |  Standard</a:t>
             </a:r>
           </a:p>
@@ -4300,7 +4507,7 @@
               </a:lnSpc>
             </a:pPr>
             <a:r>
-              <a:rPr lang="en-US" dirty="0" smtClean="0"/>
+              <a:rPr lang="en-US" dirty="0"/>
               <a:t>E.g.  Addition ,Subtraction,Division, …. etc</a:t>
             </a:r>
           </a:p>
@@ -4311,7 +4518,7 @@
               </a:lnSpc>
             </a:pPr>
             <a:r>
-              <a:rPr lang="en-US" dirty="0" smtClean="0"/>
+              <a:rPr lang="en-US" dirty="0"/>
               <a:t>Scientific</a:t>
             </a:r>
           </a:p>
@@ -4322,7 +4529,7 @@
               </a:lnSpc>
             </a:pPr>
             <a:r>
-              <a:rPr lang="en-US" dirty="0" smtClean="0"/>
+              <a:rPr lang="en-US" dirty="0"/>
               <a:t>E.g.  X! , Trunc,Round,sin , e ^ x ,cos, …. etc</a:t>
             </a:r>
           </a:p>
@@ -4333,7 +4540,7 @@
               </a:lnSpc>
             </a:pPr>
             <a:r>
-              <a:rPr lang="en-US" dirty="0" smtClean="0"/>
+              <a:rPr lang="en-US" dirty="0"/>
               <a:t>Multiplication Table</a:t>
             </a:r>
           </a:p>
@@ -4344,7 +4551,7 @@
               </a:lnSpc>
             </a:pPr>
             <a:r>
-              <a:rPr lang="en-US" dirty="0" smtClean="0"/>
+              <a:rPr lang="en-US" dirty="0"/>
               <a:t>Show in a list box Multiplication table  </a:t>
             </a:r>
           </a:p>
@@ -4355,7 +4562,7 @@
               </a:lnSpc>
             </a:pPr>
             <a:r>
-              <a:rPr lang="en-US" dirty="0" smtClean="0"/>
+              <a:rPr lang="en-US" dirty="0"/>
               <a:t>Temperature Conversion</a:t>
             </a:r>
           </a:p>
@@ -4366,7 +4573,7 @@
               </a:lnSpc>
             </a:pPr>
             <a:r>
-              <a:rPr lang="en-US" dirty="0" smtClean="0"/>
+              <a:rPr lang="en-US" dirty="0"/>
               <a:t>E.g. Covert celsius to fahrenheit , vice versa</a:t>
             </a:r>
           </a:p>
@@ -4375,7 +4582,7 @@
               <a:buNone/>
             </a:pPr>
             <a:r>
-              <a:rPr lang="en-US" dirty="0" smtClean="0"/>
+              <a:rPr lang="en-US" dirty="0"/>
               <a:t>    And  kevin</a:t>
             </a:r>
           </a:p>
@@ -4383,19 +4590,19 @@
             <a:pPr lvl="1" algn="l" rtl="0">
               <a:buNone/>
             </a:pPr>
-            <a:endParaRPr lang="en-US" dirty="0" smtClean="0"/>
+            <a:endParaRPr lang="en-US" dirty="0"/>
           </a:p>
           <a:p>
             <a:pPr algn="l" rtl="0">
               <a:buNone/>
             </a:pPr>
-            <a:endParaRPr lang="en-US" dirty="0" smtClean="0"/>
+            <a:endParaRPr lang="en-US" dirty="0"/>
           </a:p>
           <a:p>
             <a:pPr lvl="1" algn="l" rtl="0">
               <a:buNone/>
             </a:pPr>
-            <a:endParaRPr lang="en-US" dirty="0" smtClean="0"/>
+            <a:endParaRPr lang="en-US" dirty="0"/>
           </a:p>
           <a:p>
             <a:pPr lvl="1" algn="l" rtl="0">
@@ -5250,7 +5457,7 @@
           <a:p>
             <a:pPr rtl="0"/>
             <a:r>
-              <a:rPr lang="en-US" dirty="0" smtClean="0"/>
+              <a:rPr lang="en-US" dirty="0"/>
               <a:t>Continue …</a:t>
             </a:r>
             <a:endParaRPr lang="ar-EG" dirty="0"/>
@@ -5280,7 +5487,7 @@
               </a:lnSpc>
             </a:pPr>
             <a:r>
-              <a:rPr lang="en-US" dirty="0" smtClean="0"/>
+              <a:rPr lang="en-US" dirty="0"/>
               <a:t>Currency Conversion </a:t>
             </a:r>
           </a:p>
@@ -5291,7 +5498,7 @@
               </a:lnSpc>
             </a:pPr>
             <a:r>
-              <a:rPr lang="en-US" dirty="0" smtClean="0"/>
+              <a:rPr lang="en-US" dirty="0"/>
               <a:t>E.g. To change from one =&gt; United States-Dollar | | Egypt-Pound | | Europe-Euro =&gt; To other one </a:t>
             </a:r>
           </a:p>
@@ -5302,7 +5509,7 @@
               </a:lnSpc>
             </a:pPr>
             <a:r>
-              <a:rPr lang="en-US" dirty="0" smtClean="0"/>
+              <a:rPr lang="en-US" dirty="0"/>
               <a:t>Weight Conversion</a:t>
             </a:r>
           </a:p>
@@ -5313,7 +5520,7 @@
               </a:lnSpc>
             </a:pPr>
             <a:r>
-              <a:rPr lang="en-US" dirty="0" smtClean="0"/>
+              <a:rPr lang="en-US" dirty="0"/>
               <a:t>E.g. To change from one =&gt; Kilograms | | Grams | |</a:t>
             </a:r>
           </a:p>
@@ -5322,7 +5529,7 @@
               <a:buNone/>
             </a:pPr>
             <a:r>
-              <a:rPr lang="en-US" dirty="0" smtClean="0"/>
+              <a:rPr lang="en-US" dirty="0"/>
               <a:t>     Centegrams | | Miligrams =&gt; To other one </a:t>
             </a:r>
           </a:p>
@@ -5335,7 +5542,7 @@
               <a:buChar char="§"/>
             </a:pPr>
             <a:r>
-              <a:rPr lang="en-US" dirty="0" smtClean="0"/>
+              <a:rPr lang="en-US" dirty="0"/>
               <a:t>Length Conversion</a:t>
             </a:r>
           </a:p>
@@ -5348,7 +5555,7 @@
               <a:buChar char="§"/>
             </a:pPr>
             <a:r>
-              <a:rPr lang="en-US" dirty="0" smtClean="0"/>
+              <a:rPr lang="en-US" dirty="0"/>
               <a:t>E.g. To change from one =&gt; KilometersMeters | | Centemeters | | Milimeters =&gt; To other one </a:t>
             </a:r>
             <a:endParaRPr lang="ar-EG" dirty="0"/>
@@ -6342,7 +6549,7 @@
           <a:lstStyle/>
           <a:p>
             <a:r>
-              <a:rPr lang="en-US" dirty="0" smtClean="0"/>
+              <a:rPr lang="en-US" dirty="0"/>
               <a:t>Code Flow</a:t>
             </a:r>
             <a:endParaRPr lang="ar-EG" dirty="0"/>
@@ -6366,7 +6573,7 @@
           <a:p>
             <a:pPr algn="l" rtl="0"/>
             <a:r>
-              <a:rPr lang="en-US" dirty="0" smtClean="0"/>
+              <a:rPr lang="en-US" dirty="0"/>
               <a:t>Requirements</a:t>
             </a:r>
           </a:p>
@@ -6377,14 +6584,14 @@
               </a:lnSpc>
             </a:pPr>
             <a:r>
-              <a:rPr lang="en-US" dirty="0" smtClean="0"/>
+              <a:rPr lang="en-US" dirty="0"/>
               <a:t>Make  user choose specific tap </a:t>
             </a:r>
           </a:p>
           <a:p>
             <a:pPr lvl="2" algn="l" rtl="0"/>
             <a:r>
-              <a:rPr lang="en-US" dirty="0" smtClean="0"/>
+              <a:rPr lang="en-US" dirty="0"/>
               <a:t>E.g.  Standard  | | Scientific | | Multiplication Table | |  </a:t>
             </a:r>
           </a:p>
@@ -6393,7 +6600,7 @@
               <a:buNone/>
             </a:pPr>
             <a:r>
-              <a:rPr lang="en-US" dirty="0" smtClean="0"/>
+              <a:rPr lang="en-US" dirty="0"/>
               <a:t>    Conversions Types</a:t>
             </a:r>
           </a:p>
@@ -6404,11 +6611,11 @@
               </a:lnSpc>
             </a:pPr>
             <a:r>
-              <a:rPr lang="en-US" dirty="0" smtClean="0"/>
+              <a:rPr lang="en-US" dirty="0"/>
               <a:t>Reading input successfully </a:t>
             </a:r>
             <a:r>
-              <a:rPr lang="en-US" dirty="0" smtClean="0">
+              <a:rPr lang="en-US" dirty="0">
                 <a:sym typeface="Wingdings" pitchFamily="2" charset="2"/>
               </a:rPr>
               <a:t></a:t>
@@ -6417,11 +6624,11 @@
           <a:p>
             <a:pPr lvl="2" algn="l" rtl="0"/>
             <a:r>
-              <a:rPr lang="en-US" dirty="0" smtClean="0"/>
+              <a:rPr lang="en-US" dirty="0"/>
               <a:t>E.g. </a:t>
             </a:r>
             <a:r>
-              <a:rPr lang="en-US" dirty="0" smtClean="0">
+              <a:rPr lang="en-US" dirty="0">
                 <a:sym typeface="Wingdings" pitchFamily="2" charset="2"/>
               </a:rPr>
               <a:t>Reading right input Not string for example</a:t>
@@ -6434,7 +6641,7 @@
               </a:lnSpc>
             </a:pPr>
             <a:r>
-              <a:rPr lang="en-US" dirty="0" smtClean="0">
+              <a:rPr lang="en-US" dirty="0">
                 <a:sym typeface="Wingdings" pitchFamily="2" charset="2"/>
               </a:rPr>
               <a:t>Validate input =&gt; proper output </a:t>
@@ -6827,7 +7034,7 @@
           <a:p>
             <a:pPr rtl="0"/>
             <a:r>
-              <a:rPr lang="en-US" dirty="0" smtClean="0"/>
+              <a:rPr lang="en-US" dirty="0"/>
               <a:t>Code in detail</a:t>
             </a:r>
             <a:endParaRPr lang="ar-EG" dirty="0"/>
@@ -6853,41 +7060,41 @@
           <a:p>
             <a:pPr algn="l" rtl="0"/>
             <a:r>
-              <a:rPr lang="en-US" dirty="0" smtClean="0"/>
+              <a:rPr lang="en-US" dirty="0"/>
               <a:t>In real life there’s a way “camel case” such that to declare And  initialize  variables to zero </a:t>
             </a:r>
           </a:p>
           <a:p>
             <a:pPr algn="l" rtl="0"/>
-            <a:endParaRPr lang="en-US" dirty="0" smtClean="0"/>
+            <a:endParaRPr lang="en-US" dirty="0"/>
           </a:p>
           <a:p>
             <a:pPr algn="l" rtl="0"/>
-            <a:endParaRPr lang="en-US" dirty="0" smtClean="0"/>
+            <a:endParaRPr lang="en-US" dirty="0"/>
           </a:p>
           <a:p>
             <a:pPr algn="l" rtl="0"/>
-            <a:endParaRPr lang="en-US" dirty="0" smtClean="0"/>
+            <a:endParaRPr lang="en-US" dirty="0"/>
           </a:p>
           <a:p>
             <a:pPr algn="l" rtl="0"/>
-            <a:endParaRPr lang="en-US" dirty="0" smtClean="0"/>
+            <a:endParaRPr lang="en-US" dirty="0"/>
           </a:p>
           <a:p>
             <a:pPr algn="l" rtl="0"/>
-            <a:endParaRPr lang="en-US" dirty="0" smtClean="0"/>
+            <a:endParaRPr lang="en-US" dirty="0"/>
           </a:p>
           <a:p>
             <a:pPr algn="l" rtl="0"/>
             <a:r>
-              <a:rPr lang="en-US" dirty="0" smtClean="0"/>
+              <a:rPr lang="en-US" dirty="0"/>
               <a:t>Handling operations in one function just call it</a:t>
             </a:r>
           </a:p>
           <a:p>
             <a:pPr lvl="1" algn="l" rtl="0"/>
             <a:r>
-              <a:rPr lang="en-US" dirty="0" smtClean="0"/>
+              <a:rPr lang="en-US" dirty="0"/>
               <a:t>E.g. Choose operation =&gt; call function =&gt; output</a:t>
             </a:r>
           </a:p>
@@ -6897,7 +7104,7 @@
                 <a:spcPct val="150000"/>
               </a:lnSpc>
             </a:pPr>
-            <a:endParaRPr lang="en-US" dirty="0" smtClean="0"/>
+            <a:endParaRPr lang="en-US" dirty="0"/>
           </a:p>
           <a:p>
             <a:pPr algn="l" rtl="0">
@@ -6905,7 +7112,7 @@
                 <a:spcPct val="150000"/>
               </a:lnSpc>
             </a:pPr>
-            <a:endParaRPr lang="en-US" dirty="0" smtClean="0"/>
+            <a:endParaRPr lang="en-US" dirty="0"/>
           </a:p>
           <a:p>
             <a:pPr algn="l" rtl="0">
@@ -6914,7 +7121,7 @@
               </a:lnSpc>
               <a:buNone/>
             </a:pPr>
-            <a:endParaRPr lang="en-US" dirty="0" smtClean="0"/>
+            <a:endParaRPr lang="en-US" dirty="0"/>
           </a:p>
         </p:txBody>
       </p:sp>
@@ -7254,7 +7461,7 @@
           <a:lstStyle/>
           <a:p>
             <a:r>
-              <a:rPr lang="en-US" dirty="0" smtClean="0"/>
+              <a:rPr lang="en-US" dirty="0"/>
               <a:t>Continue …</a:t>
             </a:r>
             <a:endParaRPr lang="ar-EG" dirty="0"/>
@@ -7280,31 +7487,31 @@
           <a:p>
             <a:pPr algn="l" rtl="0"/>
             <a:r>
-              <a:rPr lang="en-US" dirty="0" smtClean="0"/>
+              <a:rPr lang="en-US" dirty="0"/>
               <a:t>Thinking in bugs …</a:t>
             </a:r>
           </a:p>
           <a:p>
             <a:pPr lvl="1" algn="l" rtl="0"/>
             <a:r>
-              <a:rPr lang="en-US" dirty="0" smtClean="0"/>
+              <a:rPr lang="en-US" dirty="0"/>
               <a:t>E.g. As possible as we could </a:t>
             </a:r>
             <a:r>
-              <a:rPr lang="en-US" dirty="0" smtClean="0">
+              <a:rPr lang="en-US" dirty="0">
                 <a:sym typeface="Wingdings" pitchFamily="2" charset="2"/>
               </a:rPr>
               <a:t> </a:t>
             </a:r>
             <a:r>
-              <a:rPr lang="en-US" dirty="0" smtClean="0"/>
+              <a:rPr lang="en-US" dirty="0"/>
               <a:t>… we could  catch the important test case  by Try ... Catch handling</a:t>
             </a:r>
           </a:p>
           <a:p>
             <a:pPr lvl="2" algn="l" rtl="0"/>
             <a:r>
-              <a:rPr lang="en-US" dirty="0" smtClean="0"/>
+              <a:rPr lang="en-US" dirty="0"/>
               <a:t>E.g.  if user enter string  | | log10 (0) | | log(.) | | Div by zero… etc</a:t>
             </a:r>
           </a:p>
@@ -7315,44 +7522,44 @@
               </a:lnSpc>
             </a:pPr>
             <a:r>
-              <a:rPr lang="en-US" dirty="0" smtClean="0"/>
+              <a:rPr lang="en-US" dirty="0"/>
               <a:t>Normal Test case </a:t>
             </a:r>
             <a:r>
-              <a:rPr lang="en-US" dirty="0" smtClean="0">
+              <a:rPr lang="en-US" dirty="0">
                 <a:sym typeface="Wingdings" pitchFamily="2" charset="2"/>
               </a:rPr>
               <a:t></a:t>
             </a:r>
             <a:r>
-              <a:rPr lang="en-US" dirty="0" smtClean="0"/>
+              <a:rPr lang="en-US" dirty="0"/>
               <a:t> : </a:t>
             </a:r>
           </a:p>
           <a:p>
             <a:pPr lvl="1" algn="l" rtl="0"/>
             <a:r>
-              <a:rPr lang="en-US" dirty="0" smtClean="0"/>
+              <a:rPr lang="en-US" dirty="0"/>
               <a:t>Reading 2 no : 5   6</a:t>
             </a:r>
           </a:p>
           <a:p>
             <a:pPr lvl="1" algn="l" rtl="0"/>
             <a:r>
-              <a:rPr lang="en-US" dirty="0" smtClean="0"/>
+              <a:rPr lang="en-US" dirty="0"/>
               <a:t>Reading operation : +</a:t>
             </a:r>
           </a:p>
           <a:p>
             <a:pPr lvl="1" algn="l" rtl="0"/>
             <a:r>
-              <a:rPr lang="en-US" dirty="0" smtClean="0"/>
+              <a:rPr lang="en-US" dirty="0"/>
               <a:t>Output : 11</a:t>
             </a:r>
           </a:p>
           <a:p>
             <a:pPr algn="l" rtl="0"/>
-            <a:endParaRPr lang="en-US" dirty="0" smtClean="0"/>
+            <a:endParaRPr lang="en-US" dirty="0"/>
           </a:p>
         </p:txBody>
       </p:sp>
@@ -7733,7 +7940,7 @@
           <a:p>
             <a:pPr rtl="0"/>
             <a:r>
-              <a:rPr lang="en-US" dirty="0" smtClean="0"/>
+              <a:rPr lang="en-US" dirty="0"/>
               <a:t>Continue …</a:t>
             </a:r>
             <a:endParaRPr lang="ar-EG" dirty="0"/>
@@ -7762,20 +7969,20 @@
           <a:p>
             <a:pPr algn="l" rtl="0"/>
             <a:r>
-              <a:rPr lang="en-US" dirty="0" smtClean="0">
+              <a:rPr lang="en-US" dirty="0">
                 <a:latin typeface="Times News Roman"/>
               </a:rPr>
               <a:t>Case 2 – Wrong input Case </a:t>
             </a:r>
             <a:r>
-              <a:rPr lang="en-US" dirty="0" smtClean="0">
+              <a:rPr lang="en-US" dirty="0">
                 <a:latin typeface="Times News Roman"/>
                 <a:sym typeface="Wingdings" pitchFamily="2" charset="2"/>
               </a:rPr>
               <a:t> </a:t>
             </a:r>
             <a:r>
-              <a:rPr lang="en-US" dirty="0" smtClean="0">
+              <a:rPr lang="en-US" dirty="0">
                 <a:latin typeface="Times News Roman"/>
               </a:rPr>
               <a:t>:</a:t>
@@ -7783,13 +7990,13 @@
           </a:p>
           <a:p>
             <a:pPr algn="l" rtl="0"/>
-            <a:endParaRPr lang="en-US" dirty="0" smtClean="0">
+            <a:endParaRPr lang="en-US" dirty="0">
               <a:latin typeface="Times News Roman"/>
             </a:endParaRPr>
           </a:p>
           <a:p>
             <a:pPr algn="l" rtl="0"/>
-            <a:endParaRPr lang="en-US" dirty="0" smtClean="0">
+            <a:endParaRPr lang="en-US" dirty="0">
               <a:latin typeface="Times News Roman"/>
             </a:endParaRPr>
           </a:p>
@@ -7797,31 +8004,31 @@
             <a:pPr algn="l" rtl="0">
               <a:buNone/>
             </a:pPr>
-            <a:endParaRPr lang="en-US" dirty="0" smtClean="0">
+            <a:endParaRPr lang="en-US" dirty="0">
               <a:latin typeface="Times News Roman"/>
             </a:endParaRPr>
           </a:p>
           <a:p>
             <a:pPr algn="l" rtl="0"/>
-            <a:endParaRPr lang="en-US" dirty="0" smtClean="0">
+            <a:endParaRPr lang="en-US" dirty="0">
               <a:latin typeface="Times News Roman"/>
             </a:endParaRPr>
           </a:p>
           <a:p>
             <a:pPr algn="l" rtl="0"/>
-            <a:endParaRPr lang="en-US" dirty="0" smtClean="0">
+            <a:endParaRPr lang="en-US" dirty="0">
               <a:latin typeface="Times News Roman"/>
             </a:endParaRPr>
           </a:p>
           <a:p>
             <a:pPr algn="l" rtl="0"/>
-            <a:endParaRPr lang="en-US" dirty="0" smtClean="0">
+            <a:endParaRPr lang="en-US" dirty="0">
               <a:latin typeface="Times News Roman"/>
             </a:endParaRPr>
           </a:p>
           <a:p>
             <a:pPr algn="l" rtl="0"/>
-            <a:endParaRPr lang="en-US" dirty="0" smtClean="0">
+            <a:endParaRPr lang="en-US" dirty="0">
               <a:latin typeface="Times News Roman"/>
             </a:endParaRPr>
           </a:p>
@@ -7837,7 +8044,7 @@
               <a:buFont typeface="Wingdings 2"/>
               <a:buChar char=""/>
             </a:pPr>
-            <a:endParaRPr lang="en-US" dirty="0" smtClean="0">
+            <a:endParaRPr lang="en-US" dirty="0">
               <a:latin typeface="Times News Roman"/>
             </a:endParaRPr>
           </a:p>
@@ -7854,7 +8061,7 @@
               <a:buChar char=""/>
             </a:pPr>
             <a:r>
-              <a:rPr lang="en-US" sz="4400" dirty="0" smtClean="0">
+              <a:rPr lang="en-US" sz="4400" dirty="0">
                 <a:latin typeface="Times News Roman"/>
               </a:rPr>
               <a:t>And so on</a:t>
@@ -7864,7 +8071,7 @@
             <a:pPr algn="l" rtl="0">
               <a:buNone/>
             </a:pPr>
-            <a:endParaRPr lang="en-US" dirty="0" smtClean="0">
+            <a:endParaRPr lang="en-US" dirty="0">
               <a:latin typeface="Times News Roman"/>
             </a:endParaRPr>
           </a:p>
@@ -8136,7 +8343,7 @@
                                           </p:endCondLst>
                                         </p:cTn>
                                         <p:tgtEl>
-                                          <p:sndTgt r:embed="rId2" name="hammer.wav" builtIn="1"/>
+                                          <p:sndTgt r:embed="rId2" name="hammer.wav"/>
                                         </p:tgtEl>
                                       </p:cMediaNode>
                                     </p:audio>
@@ -8269,7 +8476,7 @@
           <a:p>
             <a:pPr rtl="0"/>
             <a:r>
-              <a:rPr lang="en-US" dirty="0" smtClean="0"/>
+              <a:rPr lang="en-US" dirty="0"/>
               <a:t>Final Sketching </a:t>
             </a:r>
             <a:endParaRPr lang="ar-EG" dirty="0"/>
@@ -8295,21 +8502,21 @@
           <a:p>
             <a:pPr algn="l" rtl="0"/>
             <a:r>
-              <a:rPr lang="en-US" dirty="0" smtClean="0"/>
+              <a:rPr lang="en-US" dirty="0"/>
               <a:t>Read 2 numbers || 1 no</a:t>
             </a:r>
           </a:p>
           <a:p>
             <a:pPr lvl="1" algn="l" rtl="0"/>
             <a:r>
-              <a:rPr lang="en-US" dirty="0" smtClean="0"/>
+              <a:rPr lang="en-US" dirty="0"/>
               <a:t>Validate them.</a:t>
             </a:r>
           </a:p>
           <a:p>
             <a:pPr lvl="2" algn="l" rtl="0"/>
             <a:r>
-              <a:rPr lang="en-US" dirty="0" smtClean="0"/>
+              <a:rPr lang="en-US" dirty="0"/>
               <a:t>E.g. Try =&gt; If(! Wrong)  =&gt; cont , catch=&gt; If(Wrong) =&gt; re-enter</a:t>
             </a:r>
           </a:p>
@@ -8320,21 +8527,21 @@
               </a:lnSpc>
             </a:pPr>
             <a:r>
-              <a:rPr lang="en-US" dirty="0" smtClean="0"/>
+              <a:rPr lang="en-US" dirty="0"/>
               <a:t>Read Operation</a:t>
             </a:r>
           </a:p>
           <a:p>
             <a:pPr lvl="1" algn="l" rtl="0"/>
             <a:r>
-              <a:rPr lang="en-US" dirty="0" smtClean="0"/>
+              <a:rPr lang="en-US" dirty="0"/>
               <a:t>If invalid, reenter</a:t>
             </a:r>
           </a:p>
           <a:p>
             <a:pPr lvl="2" algn="l" rtl="0"/>
             <a:r>
-              <a:rPr lang="en-US" dirty="0" smtClean="0"/>
+              <a:rPr lang="en-US" dirty="0"/>
               <a:t>E.g. Try =&gt; If(! Wrong)  =&gt; cont , catch=&gt; If(Wrong) =&gt; re-enter Show Result</a:t>
             </a:r>
           </a:p>
@@ -8345,21 +8552,21 @@
               </a:lnSpc>
             </a:pPr>
             <a:r>
-              <a:rPr lang="en-US" dirty="0" smtClean="0"/>
+              <a:rPr lang="en-US" dirty="0"/>
               <a:t>Brief  :</a:t>
             </a:r>
           </a:p>
           <a:p>
             <a:pPr lvl="1" algn="l" rtl="0"/>
             <a:r>
-              <a:rPr lang="en-US" sz="1600" b="1" dirty="0" smtClean="0"/>
+              <a:rPr lang="en-US" sz="1600" b="1" dirty="0"/>
               <a:t>Reading =&gt; validate =&gt; Choose operation =&gt; validate  =&gt; process =&gt; show output</a:t>
             </a:r>
-            <a:endParaRPr lang="en-US" b="1" dirty="0" smtClean="0"/>
+            <a:endParaRPr lang="en-US" b="1" dirty="0"/>
           </a:p>
           <a:p>
             <a:pPr lvl="1" algn="l" rtl="0"/>
-            <a:endParaRPr lang="en-US" dirty="0" smtClean="0"/>
+            <a:endParaRPr lang="en-US" dirty="0"/>
           </a:p>
           <a:p>
             <a:pPr lvl="1" algn="l" rtl="0"/>
@@ -8478,21 +8685,21 @@
           <a:p>
             <a:pPr algn="ctr"/>
             <a:r>
-              <a:rPr lang="en-US" sz="2800" b="1" dirty="0" smtClean="0"/>
+              <a:rPr lang="en-US" sz="2800" b="1" dirty="0"/>
               <a:t>As possible as we </a:t>
             </a:r>
             <a:r>
-              <a:rPr lang="en-US" sz="2800" b="1" dirty="0" smtClean="0">
+              <a:rPr lang="en-US" sz="2800" b="1" dirty="0">
                 <a:latin typeface="Trebuchet MS" pitchFamily="34" charset="0"/>
               </a:rPr>
               <a:t>could</a:t>
             </a:r>
             <a:r>
-              <a:rPr lang="en-US" sz="2800" b="1" dirty="0" smtClean="0"/>
+              <a:rPr lang="en-US" sz="2800" b="1" dirty="0"/>
               <a:t> </a:t>
             </a:r>
             <a:r>
-              <a:rPr lang="en-US" sz="2800" b="1" dirty="0" smtClean="0">
+              <a:rPr lang="en-US" sz="2800" b="1" dirty="0">
                 <a:sym typeface="Wingdings" pitchFamily="2" charset="2"/>
               </a:rPr>
               <a:t> </a:t>
@@ -8556,13 +8763,13 @@
           <a:p>
             <a:pPr algn="ctr" rtl="0"/>
             <a:r>
-              <a:rPr lang="en-US" sz="2800" b="1" dirty="0" smtClean="0">
+              <a:rPr lang="en-US" sz="2800" b="1" dirty="0">
                 <a:latin typeface="Trebuchet MS" pitchFamily="34" charset="0"/>
               </a:rPr>
               <a:t>As possible as we could </a:t>
             </a:r>
             <a:r>
-              <a:rPr lang="en-US" sz="2800" b="1" dirty="0" smtClean="0">
+              <a:rPr lang="en-US" sz="2800" b="1" dirty="0">
                 <a:latin typeface="Trebuchet MS" pitchFamily="34" charset="0"/>
                 <a:sym typeface="Wingdings" pitchFamily="2" charset="2"/>
               </a:rPr>
@@ -9218,7 +9425,7 @@
           <a:p>
             <a:pPr rtl="0"/>
             <a:r>
-              <a:rPr lang="en-US" sz="5400" cap="all" dirty="0" smtClean="0">
+              <a:rPr lang="en-US" sz="5400" cap="all" dirty="0">
                 <a:ln w="0"/>
                 <a:gradFill flip="none">
                   <a:gsLst>
@@ -9346,13 +9553,6 @@
   <p:clrMapOvr>
     <a:masterClrMapping/>
   </p:clrMapOvr>
-  <p:timing>
-    <p:tnLst>
-      <p:par>
-        <p:cTn id="1" dur="indefinite" restart="never" nodeType="tmRoot"/>
-      </p:par>
-    </p:tnLst>
-  </p:timing>
 </p:sld>
 </file>
 

--- a/Presentation.pptx
+++ b/Presentation.pptx
@@ -4508,8 +4508,13 @@
             </a:pPr>
             <a:r>
               <a:rPr lang="en-US" dirty="0"/>
-              <a:t>E.g.  Addition ,Subtraction,Division, …. etc</a:t>
-            </a:r>
+              <a:t>E.g.  Addition, Subtraction, Division, ….</a:t>
+            </a:r>
+            <a:r>
+              <a:rPr lang="en-US" dirty="0" err="1"/>
+              <a:t>etc</a:t>
+            </a:r>
+            <a:endParaRPr lang="en-US" dirty="0"/>
           </a:p>
           <a:p>
             <a:pPr algn="l" rtl="0">
@@ -4530,8 +4535,21 @@
             </a:pPr>
             <a:r>
               <a:rPr lang="en-US" dirty="0"/>
-              <a:t>E.g.  X! , Trunc,Round,sin , e ^ x ,cos, …. etc</a:t>
-            </a:r>
+              <a:t>E.g.  X! , </a:t>
+            </a:r>
+            <a:r>
+              <a:rPr lang="en-US" dirty="0" err="1"/>
+              <a:t>Trunc</a:t>
+            </a:r>
+            <a:r>
+              <a:rPr lang="en-US" dirty="0"/>
+              <a:t>, Round, sin , e ^ x , cos, ….</a:t>
+            </a:r>
+            <a:r>
+              <a:rPr lang="en-US" dirty="0" err="1"/>
+              <a:t>etc</a:t>
+            </a:r>
+            <a:endParaRPr lang="en-US" dirty="0"/>
           </a:p>
           <a:p>
             <a:pPr algn="l" rtl="0">
@@ -4574,7 +4592,23 @@
             </a:pPr>
             <a:r>
               <a:rPr lang="en-US" dirty="0"/>
-              <a:t>E.g. Covert celsius to fahrenheit , vice versa</a:t>
+              <a:t>E.g. Covert </a:t>
+            </a:r>
+            <a:r>
+              <a:rPr lang="en-US" dirty="0" err="1"/>
+              <a:t>celsius</a:t>
+            </a:r>
+            <a:r>
+              <a:rPr lang="en-US" dirty="0"/>
+              <a:t> to </a:t>
+            </a:r>
+            <a:r>
+              <a:rPr lang="en-US" dirty="0" err="1"/>
+              <a:t>fahrenheit</a:t>
+            </a:r>
+            <a:r>
+              <a:rPr lang="en-US" dirty="0"/>
+              <a:t>, vice versa</a:t>
             </a:r>
           </a:p>
           <a:p>
@@ -6585,7 +6619,7 @@
             </a:pPr>
             <a:r>
               <a:rPr lang="en-US" dirty="0"/>
-              <a:t>Make  user choose specific tap </a:t>
+              <a:t>Make user choose specific tap </a:t>
             </a:r>
           </a:p>
           <a:p>
@@ -6644,7 +6678,7 @@
               <a:rPr lang="en-US" dirty="0">
                 <a:sym typeface="Wingdings" pitchFamily="2" charset="2"/>
               </a:rPr>
-              <a:t>Validate input =&gt; proper output </a:t>
+              <a:t>Validate input =&gt; Proper output </a:t>
             </a:r>
             <a:endParaRPr lang="ar-EG" dirty="0"/>
           </a:p>
@@ -7054,14 +7088,14 @@
         <p:spPr/>
         <p:txBody>
           <a:bodyPr>
-            <a:normAutofit lnSpcReduction="10000"/>
+            <a:normAutofit/>
           </a:bodyPr>
           <a:lstStyle/>
           <a:p>
             <a:pPr algn="l" rtl="0"/>
             <a:r>
               <a:rPr lang="en-US" dirty="0"/>
-              <a:t>In real life there’s a way “camel case” such that to declare And  initialize  variables to zero </a:t>
+              <a:t>In real life there’s a way “camel case” such that to declare and  initialize variables to zero </a:t>
             </a:r>
           </a:p>
           <a:p>
@@ -7095,7 +7129,7 @@
             <a:pPr lvl="1" algn="l" rtl="0"/>
             <a:r>
               <a:rPr lang="en-US" dirty="0"/>
-              <a:t>E.g. Choose operation =&gt; call function =&gt; output</a:t>
+              <a:t>E.g. Choose operation =&gt; Call function =&gt; Output</a:t>
             </a:r>
           </a:p>
           <a:p>
@@ -7488,7 +7522,7 @@
             <a:pPr algn="l" rtl="0"/>
             <a:r>
               <a:rPr lang="en-US" dirty="0"/>
-              <a:t>Thinking in bugs …</a:t>
+              <a:t>Thinking in bugs…</a:t>
             </a:r>
           </a:p>
           <a:p>
@@ -7501,11 +7535,11 @@
               <a:rPr lang="en-US" dirty="0">
                 <a:sym typeface="Wingdings" pitchFamily="2" charset="2"/>
               </a:rPr>
-              <a:t> </a:t>
+              <a:t></a:t>
             </a:r>
             <a:r>
               <a:rPr lang="en-US" dirty="0"/>
-              <a:t>… we could  catch the important test case  by Try ... Catch handling</a:t>
+              <a:t>… we could  catch the important test case  by Try... Catch handling</a:t>
             </a:r>
           </a:p>
           <a:p>
@@ -7523,7 +7557,7 @@
             </a:pPr>
             <a:r>
               <a:rPr lang="en-US" dirty="0"/>
-              <a:t>Normal Test case </a:t>
+              <a:t>Normal Test Case </a:t>
             </a:r>
             <a:r>
               <a:rPr lang="en-US" dirty="0">
@@ -7533,7 +7567,7 @@
             </a:r>
             <a:r>
               <a:rPr lang="en-US" dirty="0"/>
-              <a:t> : </a:t>
+              <a:t>: </a:t>
             </a:r>
           </a:p>
           <a:p>
@@ -7972,7 +8006,7 @@
               <a:rPr lang="en-US" dirty="0">
                 <a:latin typeface="Times News Roman"/>
               </a:rPr>
-              <a:t>Case 2 – Wrong input Case </a:t>
+              <a:t>Case 2 – Wrong Input Case </a:t>
             </a:r>
             <a:r>
               <a:rPr lang="en-US" dirty="0">
@@ -8560,7 +8594,7 @@
             <a:pPr lvl="1" algn="l" rtl="0"/>
             <a:r>
               <a:rPr lang="en-US" sz="1600" b="1" dirty="0"/>
-              <a:t>Reading =&gt; validate =&gt; Choose operation =&gt; validate  =&gt; process =&gt; show output</a:t>
+              <a:t>Reading =&gt; Validate =&gt; Choose operation =&gt; Validate  =&gt; Process =&gt; Show the output</a:t>
             </a:r>
             <a:endParaRPr lang="en-US" b="1" dirty="0"/>
           </a:p>
